--- a/Älykäs_Aikataulutusassistentti_2025_esitys.pptx
+++ b/Älykäs_Aikataulutusassistentti_2025_esitys.pptx
@@ -10552,12 +10552,12 @@
         <a:fontRef idx="minor"/>
       </dsp:style>
       <dsp:txBody>
-        <a:bodyPr spcFirstLastPara="0" vert="horz" wrap="square" lIns="99060" tIns="99060" rIns="99060" bIns="99060" numCol="1" spcCol="1270" anchor="t" anchorCtr="0">
+        <a:bodyPr spcFirstLastPara="0" vert="horz" wrap="square" lIns="95250" tIns="95250" rIns="95250" bIns="95250" numCol="1" spcCol="1270" anchor="t" anchorCtr="0">
           <a:noAutofit/>
         </a:bodyPr>
         <a:lstStyle/>
         <a:p>
-          <a:pPr marL="0" lvl="0" indent="0" algn="l" defTabSz="1155700">
+          <a:pPr marL="0" lvl="0" indent="0" algn="l" defTabSz="1111250">
             <a:lnSpc>
               <a:spcPct val="90000"/>
             </a:lnSpc>
@@ -10570,10 +10570,10 @@
             <a:buNone/>
           </a:pPr>
           <a:r>
-            <a:rPr lang="fi-FI" sz="2600" kern="1200"/>
+            <a:rPr lang="fi-FI" sz="2500" kern="1200"/>
             <a:t>🔧 Jatkokehitysehdotuksia:</a:t>
           </a:r>
-          <a:endParaRPr lang="en-US" sz="2600" kern="1200"/>
+          <a:endParaRPr lang="en-US" sz="2500" kern="1200"/>
         </a:p>
       </dsp:txBody>
       <dsp:txXfrm>
@@ -10662,12 +10662,12 @@
         <a:fontRef idx="minor"/>
       </dsp:style>
       <dsp:txBody>
-        <a:bodyPr spcFirstLastPara="0" vert="horz" wrap="square" lIns="99060" tIns="99060" rIns="99060" bIns="99060" numCol="1" spcCol="1270" anchor="t" anchorCtr="0">
+        <a:bodyPr spcFirstLastPara="0" vert="horz" wrap="square" lIns="95250" tIns="95250" rIns="95250" bIns="95250" numCol="1" spcCol="1270" anchor="t" anchorCtr="0">
           <a:noAutofit/>
         </a:bodyPr>
         <a:lstStyle/>
         <a:p>
-          <a:pPr marL="0" lvl="0" indent="0" algn="l" defTabSz="1155700">
+          <a:pPr marL="0" lvl="0" indent="0" algn="l" defTabSz="1111250">
             <a:lnSpc>
               <a:spcPct val="90000"/>
             </a:lnSpc>
@@ -10680,10 +10680,10 @@
             <a:buNone/>
           </a:pPr>
           <a:r>
-            <a:rPr lang="fi-FI" sz="2600" kern="1200" dirty="0"/>
+            <a:rPr lang="fi-FI" sz="2500" kern="1200" dirty="0"/>
             <a:t>Mobiilituki (esim. selain tai puhelinsovellus)</a:t>
           </a:r>
-          <a:endParaRPr lang="en-US" sz="2600" kern="1200" dirty="0"/>
+          <a:endParaRPr lang="en-US" sz="2500" kern="1200" dirty="0"/>
         </a:p>
       </dsp:txBody>
       <dsp:txXfrm>
@@ -10772,12 +10772,12 @@
         <a:fontRef idx="minor"/>
       </dsp:style>
       <dsp:txBody>
-        <a:bodyPr spcFirstLastPara="0" vert="horz" wrap="square" lIns="99060" tIns="99060" rIns="99060" bIns="99060" numCol="1" spcCol="1270" anchor="t" anchorCtr="0">
+        <a:bodyPr spcFirstLastPara="0" vert="horz" wrap="square" lIns="95250" tIns="95250" rIns="95250" bIns="95250" numCol="1" spcCol="1270" anchor="t" anchorCtr="0">
           <a:noAutofit/>
         </a:bodyPr>
         <a:lstStyle/>
         <a:p>
-          <a:pPr marL="0" lvl="0" indent="0" algn="l" defTabSz="1155700">
+          <a:pPr marL="0" lvl="0" indent="0" algn="l" defTabSz="1111250">
             <a:lnSpc>
               <a:spcPct val="90000"/>
             </a:lnSpc>
@@ -10790,10 +10790,10 @@
             <a:buNone/>
           </a:pPr>
           <a:r>
-            <a:rPr lang="fi-FI" sz="2600" kern="1200" dirty="0"/>
+            <a:rPr lang="fi-FI" sz="2500" kern="1200" dirty="0"/>
             <a:t>Käyttäjäprofiilit ja personoitu oppiminen</a:t>
           </a:r>
-          <a:endParaRPr lang="en-US" sz="2600" kern="1200" dirty="0"/>
+          <a:endParaRPr lang="en-US" sz="2500" kern="1200" dirty="0"/>
         </a:p>
       </dsp:txBody>
       <dsp:txXfrm>
@@ -10882,12 +10882,12 @@
         <a:fontRef idx="minor"/>
       </dsp:style>
       <dsp:txBody>
-        <a:bodyPr spcFirstLastPara="0" vert="horz" wrap="square" lIns="99060" tIns="99060" rIns="99060" bIns="99060" numCol="1" spcCol="1270" anchor="t" anchorCtr="0">
+        <a:bodyPr spcFirstLastPara="0" vert="horz" wrap="square" lIns="95250" tIns="95250" rIns="95250" bIns="95250" numCol="1" spcCol="1270" anchor="t" anchorCtr="0">
           <a:noAutofit/>
         </a:bodyPr>
         <a:lstStyle/>
         <a:p>
-          <a:pPr marL="0" lvl="0" indent="0" algn="l" defTabSz="1155700">
+          <a:pPr marL="0" lvl="0" indent="0" algn="l" defTabSz="1111250">
             <a:lnSpc>
               <a:spcPct val="90000"/>
             </a:lnSpc>
@@ -10900,10 +10900,10 @@
             <a:buNone/>
           </a:pPr>
           <a:r>
-            <a:rPr lang="fi-FI" sz="2600" kern="1200" dirty="0"/>
+            <a:rPr lang="fi-FI" sz="2500" kern="1200" dirty="0"/>
             <a:t>Tehtävien palautteen keruu mallin parantamiseksi</a:t>
           </a:r>
-          <a:endParaRPr lang="en-US" sz="2600" kern="1200" dirty="0"/>
+          <a:endParaRPr lang="en-US" sz="2500" kern="1200" dirty="0"/>
         </a:p>
       </dsp:txBody>
       <dsp:txXfrm>
@@ -10992,12 +10992,12 @@
         <a:fontRef idx="minor"/>
       </dsp:style>
       <dsp:txBody>
-        <a:bodyPr spcFirstLastPara="0" vert="horz" wrap="square" lIns="99060" tIns="99060" rIns="99060" bIns="99060" numCol="1" spcCol="1270" anchor="t" anchorCtr="0">
+        <a:bodyPr spcFirstLastPara="0" vert="horz" wrap="square" lIns="95250" tIns="95250" rIns="95250" bIns="95250" numCol="1" spcCol="1270" anchor="t" anchorCtr="0">
           <a:noAutofit/>
         </a:bodyPr>
         <a:lstStyle/>
         <a:p>
-          <a:pPr marL="0" lvl="0" indent="0" algn="l" defTabSz="1155700">
+          <a:pPr marL="0" lvl="0" indent="0" algn="l" defTabSz="1111250">
             <a:lnSpc>
               <a:spcPct val="90000"/>
             </a:lnSpc>
@@ -11010,10 +11010,10 @@
             <a:buNone/>
           </a:pPr>
           <a:r>
-            <a:rPr lang="fi-FI" sz="2600" kern="1200"/>
+            <a:rPr lang="fi-FI" sz="2500" kern="1200"/>
             <a:t>📘 Projektin aikana opittua:</a:t>
           </a:r>
-          <a:endParaRPr lang="en-US" sz="2600" kern="1200"/>
+          <a:endParaRPr lang="en-US" sz="2500" kern="1200"/>
         </a:p>
       </dsp:txBody>
       <dsp:txXfrm>
@@ -11102,12 +11102,12 @@
         <a:fontRef idx="minor"/>
       </dsp:style>
       <dsp:txBody>
-        <a:bodyPr spcFirstLastPara="0" vert="horz" wrap="square" lIns="99060" tIns="99060" rIns="99060" bIns="99060" numCol="1" spcCol="1270" anchor="t" anchorCtr="0">
+        <a:bodyPr spcFirstLastPara="0" vert="horz" wrap="square" lIns="95250" tIns="95250" rIns="95250" bIns="95250" numCol="1" spcCol="1270" anchor="t" anchorCtr="0">
           <a:noAutofit/>
         </a:bodyPr>
         <a:lstStyle/>
         <a:p>
-          <a:pPr marL="0" lvl="0" indent="0" algn="l" defTabSz="1155700">
+          <a:pPr marL="0" lvl="0" indent="0" algn="l" defTabSz="1111250">
             <a:lnSpc>
               <a:spcPct val="90000"/>
             </a:lnSpc>
@@ -11120,18 +11120,18 @@
             <a:buNone/>
           </a:pPr>
           <a:r>
-            <a:rPr lang="fi-FI" sz="2600" kern="1200" dirty="0"/>
+            <a:rPr lang="fi-FI" sz="2500" kern="1200" dirty="0"/>
             <a:t>ML-mallien koulutus ja testaus (</a:t>
           </a:r>
           <a:r>
-            <a:rPr lang="fi-FI" sz="2600" kern="1200" dirty="0" err="1"/>
+            <a:rPr lang="fi-FI" sz="2500" kern="1200" dirty="0" err="1"/>
             <a:t>RandomForest</a:t>
           </a:r>
           <a:r>
-            <a:rPr lang="fi-FI" sz="2600" kern="1200" dirty="0"/>
+            <a:rPr lang="fi-FI" sz="2500" kern="1200" dirty="0"/>
             <a:t>)</a:t>
           </a:r>
-          <a:endParaRPr lang="en-US" sz="2600" kern="1200" dirty="0"/>
+          <a:endParaRPr lang="en-US" sz="2500" kern="1200" dirty="0"/>
         </a:p>
       </dsp:txBody>
       <dsp:txXfrm>
@@ -11220,12 +11220,12 @@
         <a:fontRef idx="minor"/>
       </dsp:style>
       <dsp:txBody>
-        <a:bodyPr spcFirstLastPara="0" vert="horz" wrap="square" lIns="99060" tIns="99060" rIns="99060" bIns="99060" numCol="1" spcCol="1270" anchor="t" anchorCtr="0">
+        <a:bodyPr spcFirstLastPara="0" vert="horz" wrap="square" lIns="95250" tIns="95250" rIns="95250" bIns="95250" numCol="1" spcCol="1270" anchor="t" anchorCtr="0">
           <a:noAutofit/>
         </a:bodyPr>
         <a:lstStyle/>
         <a:p>
-          <a:pPr marL="0" lvl="0" indent="0" algn="l" defTabSz="1155700">
+          <a:pPr marL="0" lvl="0" indent="0" algn="l" defTabSz="1111250">
             <a:lnSpc>
               <a:spcPct val="90000"/>
             </a:lnSpc>
@@ -11238,22 +11238,22 @@
             <a:buNone/>
           </a:pPr>
           <a:r>
-            <a:rPr lang="fi-FI" sz="2600" kern="1200" dirty="0" err="1"/>
+            <a:rPr lang="fi-FI" sz="2500" kern="1200" dirty="0" err="1"/>
             <a:t>Tkinter</a:t>
           </a:r>
           <a:r>
-            <a:rPr lang="fi-FI" sz="2600" kern="1200" dirty="0"/>
+            <a:rPr lang="fi-FI" sz="2500" kern="1200" dirty="0"/>
             <a:t> </a:t>
           </a:r>
           <a:r>
-            <a:rPr lang="fi-FI" sz="2600" kern="1200" dirty="0" err="1"/>
+            <a:rPr lang="fi-FI" sz="2500" kern="1200" dirty="0" err="1"/>
             <a:t>UI:n</a:t>
           </a:r>
           <a:r>
-            <a:rPr lang="fi-FI" sz="2600" kern="1200" dirty="0"/>
+            <a:rPr lang="fi-FI" sz="2500" kern="1200" dirty="0"/>
             <a:t> rakentaminen</a:t>
           </a:r>
-          <a:endParaRPr lang="en-US" sz="2600" kern="1200" dirty="0"/>
+          <a:endParaRPr lang="en-US" sz="2500" kern="1200" dirty="0"/>
         </a:p>
       </dsp:txBody>
       <dsp:txXfrm>
@@ -11342,12 +11342,12 @@
         <a:fontRef idx="minor"/>
       </dsp:style>
       <dsp:txBody>
-        <a:bodyPr spcFirstLastPara="0" vert="horz" wrap="square" lIns="99060" tIns="99060" rIns="99060" bIns="99060" numCol="1" spcCol="1270" anchor="t" anchorCtr="0">
+        <a:bodyPr spcFirstLastPara="0" vert="horz" wrap="square" lIns="95250" tIns="95250" rIns="95250" bIns="95250" numCol="1" spcCol="1270" anchor="t" anchorCtr="0">
           <a:noAutofit/>
         </a:bodyPr>
         <a:lstStyle/>
         <a:p>
-          <a:pPr marL="0" lvl="0" indent="0" algn="l" defTabSz="1155700">
+          <a:pPr marL="0" lvl="0" indent="0" algn="l" defTabSz="1111250">
             <a:lnSpc>
               <a:spcPct val="90000"/>
             </a:lnSpc>
@@ -11360,18 +11360,18 @@
             <a:buNone/>
           </a:pPr>
           <a:r>
-            <a:rPr lang="fi-FI" sz="2600" kern="1200" dirty="0"/>
+            <a:rPr lang="fi-FI" sz="2500" kern="1200" dirty="0"/>
             <a:t>Google </a:t>
           </a:r>
           <a:r>
-            <a:rPr lang="fi-FI" sz="2600" kern="1200" dirty="0" err="1"/>
+            <a:rPr lang="fi-FI" sz="2500" kern="1200" dirty="0" err="1"/>
             <a:t>API:n</a:t>
           </a:r>
           <a:r>
-            <a:rPr lang="fi-FI" sz="2600" kern="1200" dirty="0"/>
+            <a:rPr lang="fi-FI" sz="2500" kern="1200" dirty="0"/>
             <a:t> käyttö ja autentikointi</a:t>
           </a:r>
-          <a:endParaRPr lang="en-US" sz="2600" kern="1200" dirty="0"/>
+          <a:endParaRPr lang="en-US" sz="2500" kern="1200" dirty="0"/>
         </a:p>
       </dsp:txBody>
       <dsp:txXfrm>
@@ -23249,7 +23249,7 @@
         <p:spPr>
           <a:xfrm>
             <a:off x="640080" y="320040"/>
-            <a:ext cx="6692827" cy="3892669"/>
+            <a:ext cx="7056120" cy="3892669"/>
           </a:xfrm>
         </p:spPr>
         <p:txBody>
@@ -23260,7 +23260,7 @@
           <a:p>
             <a:pPr algn="l"/>
             <a:r>
-              <a:rPr lang="fi-FI" sz="5600"/>
+              <a:rPr lang="fi-FI" sz="5600" dirty="0"/>
               <a:t>Älykäs Aikataulutusassistentti</a:t>
             </a:r>
           </a:p>

--- a/Älykäs_Aikataulutusassistentti_2025_esitys.pptx
+++ b/Älykäs_Aikataulutusassistentti_2025_esitys.pptx
@@ -19891,8 +19891,7 @@
           <a:lstStyle/>
           <a:p>
             <a:r>
-              <a:rPr sz="1200"/>
-              <a:t>Mallin koulutuksessa käytettiin CSV-dataa. MAE 9.88 min on hyvä tulos tämänkaltaisessa tehtävässä.</a:t>
+              <a:t>Malli opetetaan käyttäjän tehtävähistorialla – kuten tehtävän vaikeus, deadline ja arvioitu kesto. Tässä käytettiin RandomForestRegressoria, joka toimii hyvin myös pienemmällä määrällä dataa. Mallin keskimääräinen virhe oli noin 9.88 minuuttia, mikä on riittävän tarkka aikataulun suunnitteluun.</a:t>
             </a:r>
           </a:p>
         </p:txBody>
@@ -19962,8 +19961,7 @@
           <a:lstStyle/>
           <a:p>
             <a:r>
-              <a:rPr sz="1200"/>
-              <a:t>Tässä käyttöliittymä – simppeli, mutta toimiva. Käyttäjä voi lisätä ja hallita tehtäviä.</a:t>
+              <a:t>Käyttöliittymä on toteutettu Tkinterillä, ja sen suunnittelussa keskityttiin helppokäyttöisyyteen. Testikäyttäjien palautteen perusteella käyttöliittymän painikkeiden asettelu ja ohjeistus parannettiin, mikä teki käytöstä sujuvampaa ilman erillistä opastusta.</a:t>
             </a:r>
           </a:p>
         </p:txBody>
@@ -20104,8 +20102,7 @@
           <a:lstStyle/>
           <a:p>
             <a:r>
-              <a:rPr sz="1200"/>
-              <a:t>Kalenterisynkronointi tekee sovelluksesta aidosti hyödyllisen arjessa.</a:t>
+              <a:t>Sovellus käyttää Google Calendar API:ta ja OAuth 2.0 -tunnistautumista. Kun käyttäjä antaa luvan, sovellus voi lisätä tekoälyn ehdottamat tehtävät suoraan kalenteriin. Tämä helpottaa ajanhallintaa ja vähentää päällekkäisiä varauksia.</a:t>
             </a:r>
           </a:p>
         </p:txBody>

--- a/Älykäs_Aikataulutusassistentti_2025_esitys.pptx
+++ b/Älykäs_Aikataulutusassistentti_2025_esitys.pptx
@@ -25450,10 +25450,7 @@
           <a:lstStyle/>
           <a:p>
             <a:pPr algn="l"/>
-            <a:r>
-              <a:t>Kysymyksiä?</a:t>
-            </a:r>
-            <a:endParaRPr lang="fi-FI"/>
+            <a:endParaRPr lang="fi-FI" dirty="0"/>
           </a:p>
         </p:txBody>
       </p:sp>
